--- a/Webinar/2023-03-09 - What is Data Lakehouse/What is Data Lakehouse - EN.pptx
+++ b/Webinar/2023-03-09 - What is Data Lakehouse/What is Data Lakehouse - EN.pptx
@@ -143,7 +143,7 @@
 <file path=ppt/revisionInfo.xml><?xml version="1.0" encoding="utf-8"?>
 <p1510:revInfo xmlns:a="http://schemas.openxmlformats.org/drawingml/2006/main" xmlns:r="http://schemas.openxmlformats.org/officeDocument/2006/relationships" xmlns:p1510="http://schemas.microsoft.com/office/powerpoint/2015/10/main">
   <p1510:revLst>
-    <p1510:client id="{7FF192CC-DFA1-4020-A9C5-1BFA9DD1E302}" v="102" dt="2023-03-06T11:36:52.584"/>
+    <p1510:client id="{7FF192CC-DFA1-4020-A9C5-1BFA9DD1E302}" v="103" dt="2023-03-07T09:45:01.966"/>
   </p1510:revLst>
 </p1510:revInfo>
 </file>
@@ -153,7 +153,7 @@
   <pc:docChgLst>
     <pc:chgData name="Ari Rämö" userId="c1371f72-b237-4127-8a9d-98176e979a17" providerId="ADAL" clId="{7FF192CC-DFA1-4020-A9C5-1BFA9DD1E302}"/>
     <pc:docChg chg="undo custSel addSld delSld modSld sldOrd">
-      <pc:chgData name="Ari Rämö" userId="c1371f72-b237-4127-8a9d-98176e979a17" providerId="ADAL" clId="{7FF192CC-DFA1-4020-A9C5-1BFA9DD1E302}" dt="2023-03-06T11:36:52.584" v="8095"/>
+      <pc:chgData name="Ari Rämö" userId="c1371f72-b237-4127-8a9d-98176e979a17" providerId="ADAL" clId="{7FF192CC-DFA1-4020-A9C5-1BFA9DD1E302}" dt="2023-03-07T09:45:06.638" v="8117" actId="1076"/>
       <pc:docMkLst>
         <pc:docMk/>
       </pc:docMkLst>
@@ -2025,7 +2025,7 @@
         </pc:sldMkLst>
       </pc:sldChg>
       <pc:sldChg chg="addSp delSp modSp new mod">
-        <pc:chgData name="Ari Rämö" userId="c1371f72-b237-4127-8a9d-98176e979a17" providerId="ADAL" clId="{7FF192CC-DFA1-4020-A9C5-1BFA9DD1E302}" dt="2023-03-06T09:34:44.417" v="7935" actId="1038"/>
+        <pc:chgData name="Ari Rämö" userId="c1371f72-b237-4127-8a9d-98176e979a17" providerId="ADAL" clId="{7FF192CC-DFA1-4020-A9C5-1BFA9DD1E302}" dt="2023-03-07T09:45:06.638" v="8117" actId="1076"/>
         <pc:sldMkLst>
           <pc:docMk/>
           <pc:sldMk cId="509207998" sldId="294"/>
@@ -2055,7 +2055,7 @@
           </ac:spMkLst>
         </pc:spChg>
         <pc:spChg chg="add mod">
-          <ac:chgData name="Ari Rämö" userId="c1371f72-b237-4127-8a9d-98176e979a17" providerId="ADAL" clId="{7FF192CC-DFA1-4020-A9C5-1BFA9DD1E302}" dt="2023-03-06T09:34:44.417" v="7935" actId="1038"/>
+          <ac:chgData name="Ari Rämö" userId="c1371f72-b237-4127-8a9d-98176e979a17" providerId="ADAL" clId="{7FF192CC-DFA1-4020-A9C5-1BFA9DD1E302}" dt="2023-03-07T09:40:18.720" v="8105" actId="1076"/>
           <ac:spMkLst>
             <pc:docMk/>
             <pc:sldMk cId="509207998" sldId="294"/>
@@ -2103,7 +2103,7 @@
           </ac:spMkLst>
         </pc:spChg>
         <pc:spChg chg="add mod">
-          <ac:chgData name="Ari Rämö" userId="c1371f72-b237-4127-8a9d-98176e979a17" providerId="ADAL" clId="{7FF192CC-DFA1-4020-A9C5-1BFA9DD1E302}" dt="2023-03-06T09:34:44.417" v="7935" actId="1038"/>
+          <ac:chgData name="Ari Rämö" userId="c1371f72-b237-4127-8a9d-98176e979a17" providerId="ADAL" clId="{7FF192CC-DFA1-4020-A9C5-1BFA9DD1E302}" dt="2023-03-07T09:43:17.514" v="8115" actId="1076"/>
           <ac:spMkLst>
             <pc:docMk/>
             <pc:sldMk cId="509207998" sldId="294"/>
@@ -2135,7 +2135,7 @@
           </ac:spMkLst>
         </pc:spChg>
         <pc:spChg chg="add mod">
-          <ac:chgData name="Ari Rämö" userId="c1371f72-b237-4127-8a9d-98176e979a17" providerId="ADAL" clId="{7FF192CC-DFA1-4020-A9C5-1BFA9DD1E302}" dt="2023-03-06T09:34:44.417" v="7935" actId="1038"/>
+          <ac:chgData name="Ari Rämö" userId="c1371f72-b237-4127-8a9d-98176e979a17" providerId="ADAL" clId="{7FF192CC-DFA1-4020-A9C5-1BFA9DD1E302}" dt="2023-03-07T09:42:30.214" v="8114" actId="1076"/>
           <ac:spMkLst>
             <pc:docMk/>
             <pc:sldMk cId="509207998" sldId="294"/>
@@ -2151,13 +2151,21 @@
           </ac:spMkLst>
         </pc:spChg>
         <pc:graphicFrameChg chg="add mod modGraphic">
-          <ac:chgData name="Ari Rämö" userId="c1371f72-b237-4127-8a9d-98176e979a17" providerId="ADAL" clId="{7FF192CC-DFA1-4020-A9C5-1BFA9DD1E302}" dt="2023-03-06T09:34:44.417" v="7935" actId="1038"/>
+          <ac:chgData name="Ari Rämö" userId="c1371f72-b237-4127-8a9d-98176e979a17" providerId="ADAL" clId="{7FF192CC-DFA1-4020-A9C5-1BFA9DD1E302}" dt="2023-03-07T09:41:19.775" v="8113" actId="20577"/>
           <ac:graphicFrameMkLst>
             <pc:docMk/>
             <pc:sldMk cId="509207998" sldId="294"/>
             <ac:graphicFrameMk id="5" creationId="{C8A03B78-5189-24B1-772C-A0E272B648D4}"/>
           </ac:graphicFrameMkLst>
         </pc:graphicFrameChg>
+        <pc:cxnChg chg="add mod">
+          <ac:chgData name="Ari Rämö" userId="c1371f72-b237-4127-8a9d-98176e979a17" providerId="ADAL" clId="{7FF192CC-DFA1-4020-A9C5-1BFA9DD1E302}" dt="2023-03-07T09:45:06.638" v="8117" actId="1076"/>
+          <ac:cxnSpMkLst>
+            <pc:docMk/>
+            <pc:sldMk cId="509207998" sldId="294"/>
+            <ac:cxnSpMk id="14" creationId="{61659396-6A7D-706D-C960-B4AF4BE67664}"/>
+          </ac:cxnSpMkLst>
+        </pc:cxnChg>
       </pc:sldChg>
       <pc:sldChg chg="modSp add mod ord">
         <pc:chgData name="Ari Rämö" userId="c1371f72-b237-4127-8a9d-98176e979a17" providerId="ADAL" clId="{7FF192CC-DFA1-4020-A9C5-1BFA9DD1E302}" dt="2023-03-06T11:31:34.557" v="8094" actId="20577"/>
@@ -2303,7 +2311,7 @@
           <a:p>
             <a:fld id="{BACD2BBF-A1DE-4D68-9376-D891CD346F22}" type="datetimeFigureOut">
               <a:rPr lang="fi-FI" smtClean="0"/>
-              <a:t>6.3.2023</a:t>
+              <a:t>7.3.2023</a:t>
             </a:fld>
             <a:endParaRPr lang="fi-FI"/>
           </a:p>
@@ -2484,7 +2492,7 @@
           <a:p>
             <a:fld id="{3B7FD556-CF05-41E6-92BD-14A1450EE736}" type="datetimeFigureOut">
               <a:rPr lang="fi-FI" smtClean="0"/>
-              <a:t>6.3.2023</a:t>
+              <a:t>7.3.2023</a:t>
             </a:fld>
             <a:endParaRPr lang="fi-FI"/>
           </a:p>
@@ -3707,7 +3715,7 @@
           <a:p>
             <a:fld id="{E6551A54-3591-48E1-84DB-F11B79CA73BB}" type="datetime1">
               <a:rPr lang="fi-FI" smtClean="0"/>
-              <a:t>6.3.2023</a:t>
+              <a:t>7.3.2023</a:t>
             </a:fld>
             <a:endParaRPr lang="fi-FI" dirty="0"/>
           </a:p>
@@ -4079,7 +4087,7 @@
           <a:p>
             <a:fld id="{43271DA3-F934-4C2C-A52B-2A23A1B77C1B}" type="datetime1">
               <a:rPr lang="fi-FI" smtClean="0"/>
-              <a:t>6.3.2023</a:t>
+              <a:t>7.3.2023</a:t>
             </a:fld>
             <a:endParaRPr lang="fi-FI" dirty="0"/>
           </a:p>
@@ -4364,7 +4372,7 @@
           <a:p>
             <a:fld id="{43271DA3-F934-4C2C-A52B-2A23A1B77C1B}" type="datetime1">
               <a:rPr lang="fi-FI" smtClean="0"/>
-              <a:t>6.3.2023</a:t>
+              <a:t>7.3.2023</a:t>
             </a:fld>
             <a:endParaRPr lang="fi-FI" dirty="0"/>
           </a:p>
@@ -4595,7 +4603,7 @@
           <a:p>
             <a:fld id="{3040C543-4876-413F-8583-25B520277E89}" type="datetime1">
               <a:rPr lang="fi-FI" smtClean="0"/>
-              <a:t>6.3.2023</a:t>
+              <a:t>7.3.2023</a:t>
             </a:fld>
             <a:endParaRPr lang="fi-FI" dirty="0"/>
           </a:p>
@@ -4796,7 +4804,7 @@
           <a:p>
             <a:fld id="{928FEBCD-C2F8-4126-9C7B-2C6DE3068E92}" type="datetime1">
               <a:rPr lang="fi-FI" smtClean="0"/>
-              <a:t>6.3.2023</a:t>
+              <a:t>7.3.2023</a:t>
             </a:fld>
             <a:endParaRPr lang="fi-FI" dirty="0"/>
           </a:p>
@@ -5033,7 +5041,7 @@
           <a:p>
             <a:fld id="{A0D5FB9E-77AE-43F1-A57D-CF567029E3AE}" type="datetime1">
               <a:rPr lang="fi-FI" smtClean="0"/>
-              <a:t>6.3.2023</a:t>
+              <a:t>7.3.2023</a:t>
             </a:fld>
             <a:endParaRPr lang="fi-FI" dirty="0"/>
           </a:p>
@@ -5270,7 +5278,7 @@
           <a:p>
             <a:fld id="{E10F8034-94B0-40CB-8486-AE962194888A}" type="datetime1">
               <a:rPr lang="fi-FI" smtClean="0"/>
-              <a:t>6.3.2023</a:t>
+              <a:t>7.3.2023</a:t>
             </a:fld>
             <a:endParaRPr lang="fi-FI" dirty="0"/>
           </a:p>
@@ -5626,7 +5634,7 @@
           <a:p>
             <a:fld id="{0175D77C-FC19-4265-8910-2B3C039D0767}" type="datetime1">
               <a:rPr lang="fi-FI" smtClean="0"/>
-              <a:t>6.3.2023</a:t>
+              <a:t>7.3.2023</a:t>
             </a:fld>
             <a:endParaRPr lang="fi-FI" dirty="0"/>
           </a:p>
@@ -6035,7 +6043,7 @@
           <a:p>
             <a:fld id="{8ACFA777-268B-46D2-99BB-09A1F84F63FD}" type="datetime1">
               <a:rPr lang="fi-FI" smtClean="0"/>
-              <a:t>6.3.2023</a:t>
+              <a:t>7.3.2023</a:t>
             </a:fld>
             <a:endParaRPr lang="fi-FI" dirty="0"/>
           </a:p>
@@ -6334,7 +6342,7 @@
           <a:p>
             <a:fld id="{229C30E6-D71E-4ECD-AD9A-B156D896CCB2}" type="datetime1">
               <a:rPr lang="fi-FI" smtClean="0"/>
-              <a:t>6.3.2023</a:t>
+              <a:t>7.3.2023</a:t>
             </a:fld>
             <a:endParaRPr lang="fi-FI" dirty="0"/>
           </a:p>
@@ -7025,7 +7033,7 @@
           <a:p>
             <a:fld id="{466CDA51-C9D0-4CEE-BA5C-69FDCB16F318}" type="datetime1">
               <a:rPr lang="fi-FI" smtClean="0"/>
-              <a:t>6.3.2023</a:t>
+              <a:t>7.3.2023</a:t>
             </a:fld>
             <a:endParaRPr lang="fi-FI" dirty="0"/>
           </a:p>
@@ -7432,7 +7440,7 @@
           <a:p>
             <a:fld id="{0BCD6513-B345-4E70-9109-3827F387492B}" type="datetime1">
               <a:rPr lang="fi-FI" smtClean="0"/>
-              <a:t>6.3.2023</a:t>
+              <a:t>7.3.2023</a:t>
             </a:fld>
             <a:endParaRPr lang="fi-FI" dirty="0"/>
           </a:p>
@@ -7668,7 +7676,7 @@
           <a:p>
             <a:fld id="{5DBEF78A-336C-449D-9630-030B4DB233C7}" type="datetime1">
               <a:rPr lang="fi-FI" smtClean="0"/>
-              <a:t>6.3.2023</a:t>
+              <a:t>7.3.2023</a:t>
             </a:fld>
             <a:endParaRPr lang="fi-FI" dirty="0"/>
           </a:p>
@@ -7874,7 +7882,7 @@
           <a:p>
             <a:fld id="{5DBEF78A-336C-449D-9630-030B4DB233C7}" type="datetime1">
               <a:rPr lang="fi-FI" smtClean="0"/>
-              <a:t>6.3.2023</a:t>
+              <a:t>7.3.2023</a:t>
             </a:fld>
             <a:endParaRPr lang="fi-FI" dirty="0"/>
           </a:p>
@@ -8193,7 +8201,7 @@
           <a:p>
             <a:fld id="{72E2B654-0F0D-4A21-AB3F-E995C656A4DE}" type="datetime1">
               <a:rPr lang="fi-FI" smtClean="0"/>
-              <a:t>6.3.2023</a:t>
+              <a:t>7.3.2023</a:t>
             </a:fld>
             <a:endParaRPr lang="fi-FI" dirty="0"/>
           </a:p>
@@ -8429,7 +8437,7 @@
           <a:p>
             <a:fld id="{276EF46B-621A-4182-9067-73601CD0FC25}" type="datetime1">
               <a:rPr lang="fi-FI" smtClean="0"/>
-              <a:t>6.3.2023</a:t>
+              <a:t>7.3.2023</a:t>
             </a:fld>
             <a:endParaRPr lang="fi-FI" dirty="0"/>
           </a:p>
@@ -8665,7 +8673,7 @@
           <a:p>
             <a:fld id="{9E1AA9C8-2392-4CBA-9F3D-3657CD00435F}" type="datetime1">
               <a:rPr lang="fi-FI" smtClean="0"/>
-              <a:t>6.3.2023</a:t>
+              <a:t>7.3.2023</a:t>
             </a:fld>
             <a:endParaRPr lang="fi-FI" dirty="0"/>
           </a:p>
@@ -9020,7 +9028,7 @@
           <a:p>
             <a:fld id="{549BDFF2-A922-414E-BDD5-2194B2D38663}" type="datetime1">
               <a:rPr lang="fi-FI" smtClean="0"/>
-              <a:t>6.3.2023</a:t>
+              <a:t>7.3.2023</a:t>
             </a:fld>
             <a:endParaRPr lang="fi-FI" dirty="0"/>
           </a:p>
@@ -9428,7 +9436,7 @@
           <a:p>
             <a:fld id="{36BA4017-6820-493A-8B9A-29E5BA37CC94}" type="datetime1">
               <a:rPr lang="fi-FI" smtClean="0"/>
-              <a:t>6.3.2023</a:t>
+              <a:t>7.3.2023</a:t>
             </a:fld>
             <a:endParaRPr lang="fi-FI" dirty="0"/>
           </a:p>
@@ -9726,7 +9734,7 @@
           <a:p>
             <a:fld id="{EE38FF4D-49BB-4D26-A23B-4E8B9687C273}" type="datetime1">
               <a:rPr lang="fi-FI" smtClean="0"/>
-              <a:t>6.3.2023</a:t>
+              <a:t>7.3.2023</a:t>
             </a:fld>
             <a:endParaRPr lang="fi-FI" dirty="0"/>
           </a:p>
@@ -11547,7 +11555,7 @@
           <a:p>
             <a:fld id="{70093DFB-5BF9-4CD4-903D-88927E4279B7}" type="datetime1">
               <a:rPr lang="fi-FI" smtClean="0"/>
-              <a:t>6.3.2023</a:t>
+              <a:t>7.3.2023</a:t>
             </a:fld>
             <a:endParaRPr lang="fi-FI" dirty="0"/>
           </a:p>
@@ -18738,7 +18746,7 @@
             <p:ph sz="half" idx="1"/>
             <p:extLst>
               <p:ext uri="{D42A27DB-BD31-4B8C-83A1-F6EECF244321}">
-                <p14:modId xmlns:p14="http://schemas.microsoft.com/office/powerpoint/2010/main" val="3402600633"/>
+                <p14:modId xmlns:p14="http://schemas.microsoft.com/office/powerpoint/2010/main" val="2494203141"/>
               </p:ext>
             </p:extLst>
           </p:nvPr>
@@ -18834,7 +18842,7 @@
                     <a:p>
                       <a:r>
                         <a:rPr lang="en-US" dirty="0"/>
-                        <a:t>As-is reporting</a:t>
+                        <a:t>Raw data reporting</a:t>
                       </a:r>
                       <a:endParaRPr lang="en-FI" dirty="0"/>
                     </a:p>
@@ -18920,7 +18928,7 @@
                     <a:p>
                       <a:r>
                         <a:rPr lang="en-US" dirty="0"/>
-                        <a:t>Response time</a:t>
+                        <a:t>Query response time</a:t>
                       </a:r>
                       <a:endParaRPr lang="en-FI" dirty="0"/>
                     </a:p>
@@ -19231,7 +19239,7 @@
         </p:nvSpPr>
         <p:spPr>
           <a:xfrm>
-            <a:off x="4634853" y="2992353"/>
+            <a:off x="4150687" y="3020738"/>
             <a:ext cx="2064470" cy="252167"/>
           </a:xfrm>
           <a:prstGeom prst="roundRect">
@@ -19419,7 +19427,7 @@
         </p:nvSpPr>
         <p:spPr>
           <a:xfrm>
-            <a:off x="4364618" y="4864166"/>
+            <a:off x="4634854" y="4854740"/>
             <a:ext cx="2064470" cy="252167"/>
           </a:xfrm>
           <a:prstGeom prst="roundRect">
@@ -19560,7 +19568,7 @@
         </p:nvSpPr>
         <p:spPr>
           <a:xfrm>
-            <a:off x="4859007" y="4492258"/>
+            <a:off x="4150687" y="4492258"/>
             <a:ext cx="2064470" cy="252167"/>
           </a:xfrm>
           <a:prstGeom prst="roundRect">
@@ -19640,6 +19648,43 @@
           </a:p>
         </p:txBody>
       </p:sp>
+      <p:cxnSp>
+        <p:nvCxnSpPr>
+          <p:cNvPr id="14" name="Straight Connector 13">
+            <a:extLst>
+              <a:ext uri="{FF2B5EF4-FFF2-40B4-BE49-F238E27FC236}">
+                <a16:creationId xmlns:a16="http://schemas.microsoft.com/office/drawing/2014/main" id="{61659396-6A7D-706D-C960-B4AF4BE67664}"/>
+              </a:ext>
+            </a:extLst>
+          </p:cNvPr>
+          <p:cNvCxnSpPr/>
+          <p:nvPr/>
+        </p:nvCxnSpPr>
+        <p:spPr>
+          <a:xfrm>
+            <a:off x="5872899" y="2941163"/>
+            <a:ext cx="0" cy="3348941"/>
+          </a:xfrm>
+          <a:prstGeom prst="line">
+            <a:avLst/>
+          </a:prstGeom>
+          <a:ln w="19050"/>
+        </p:spPr>
+        <p:style>
+          <a:lnRef idx="1">
+            <a:schemeClr val="dk1"/>
+          </a:lnRef>
+          <a:fillRef idx="0">
+            <a:schemeClr val="dk1"/>
+          </a:fillRef>
+          <a:effectRef idx="0">
+            <a:schemeClr val="dk1"/>
+          </a:effectRef>
+          <a:fontRef idx="minor">
+            <a:schemeClr val="tx1"/>
+          </a:fontRef>
+        </p:style>
+      </p:cxnSp>
     </p:spTree>
     <p:extLst>
       <p:ext uri="{BB962C8B-B14F-4D97-AF65-F5344CB8AC3E}">
